--- a/Material de Luzmila/ESTADO DEL ARTE 2018-I.pptx
+++ b/Material de Luzmila/ESTADO DEL ARTE 2018-I.pptx
@@ -19,7 +19,6 @@
     <p:sldId id="268" r:id="rId13"/>
     <p:sldId id="269" r:id="rId14"/>
     <p:sldId id="270" r:id="rId15"/>
-    <p:sldId id="259" r:id="rId16"/>
   </p:sldIdLst>
   <p:sldSz cx="12192000" cy="6858000"/>
   <p:notesSz cx="6858000" cy="9144000"/>
@@ -849,7 +848,7 @@
             <a:fld id="{B61BEF0D-F0BB-DE4B-95CE-6DB70DBA9567}" type="datetimeFigureOut">
               <a:rPr lang="en-US" dirty="0"/>
               <a:pPr/>
-              <a:t>6/8/2018</a:t>
+              <a:t>6/17/2018</a:t>
             </a:fld>
             <a:endParaRPr lang="en-US" dirty="0"/>
           </a:p>
@@ -1097,7 +1096,7 @@
             <a:fld id="{B61BEF0D-F0BB-DE4B-95CE-6DB70DBA9567}" type="datetimeFigureOut">
               <a:rPr lang="en-US" dirty="0"/>
               <a:pPr/>
-              <a:t>6/8/2018</a:t>
+              <a:t>6/17/2018</a:t>
             </a:fld>
             <a:endParaRPr lang="en-US" dirty="0"/>
           </a:p>
@@ -1408,7 +1407,7 @@
             <a:fld id="{B61BEF0D-F0BB-DE4B-95CE-6DB70DBA9567}" type="datetimeFigureOut">
               <a:rPr lang="en-US" dirty="0"/>
               <a:pPr/>
-              <a:t>6/8/2018</a:t>
+              <a:t>6/17/2018</a:t>
             </a:fld>
             <a:endParaRPr lang="en-US" dirty="0"/>
           </a:p>
@@ -1746,7 +1745,7 @@
             <a:fld id="{B61BEF0D-F0BB-DE4B-95CE-6DB70DBA9567}" type="datetimeFigureOut">
               <a:rPr lang="en-US" dirty="0"/>
               <a:pPr/>
-              <a:t>6/8/2018</a:t>
+              <a:t>6/17/2018</a:t>
             </a:fld>
             <a:endParaRPr lang="en-US" dirty="0"/>
           </a:p>
@@ -2057,7 +2056,7 @@
             <a:fld id="{B61BEF0D-F0BB-DE4B-95CE-6DB70DBA9567}" type="datetimeFigureOut">
               <a:rPr lang="en-US" dirty="0"/>
               <a:pPr/>
-              <a:t>6/8/2018</a:t>
+              <a:t>6/17/2018</a:t>
             </a:fld>
             <a:endParaRPr lang="en-US" dirty="0"/>
           </a:p>
@@ -2447,7 +2446,7 @@
             <a:fld id="{B61BEF0D-F0BB-DE4B-95CE-6DB70DBA9567}" type="datetimeFigureOut">
               <a:rPr lang="en-US" dirty="0"/>
               <a:pPr/>
-              <a:t>6/8/2018</a:t>
+              <a:t>6/17/2018</a:t>
             </a:fld>
             <a:endParaRPr lang="en-US" dirty="0"/>
           </a:p>
@@ -2613,7 +2612,7 @@
           <a:p>
             <a:fld id="{55C6B4A9-1611-4792-9094-5F34BCA07E0B}" type="datetimeFigureOut">
               <a:rPr lang="en-US" dirty="0"/>
-              <a:t>6/8/2018</a:t>
+              <a:t>6/17/2018</a:t>
             </a:fld>
             <a:endParaRPr lang="en-US" dirty="0"/>
           </a:p>
@@ -2789,7 +2788,7 @@
             <a:fld id="{B61BEF0D-F0BB-DE4B-95CE-6DB70DBA9567}" type="datetimeFigureOut">
               <a:rPr lang="en-US" dirty="0"/>
               <a:pPr/>
-              <a:t>6/8/2018</a:t>
+              <a:t>6/17/2018</a:t>
             </a:fld>
             <a:endParaRPr lang="en-US" dirty="0"/>
           </a:p>
@@ -2962,7 +2961,7 @@
             <a:fld id="{B61BEF0D-F0BB-DE4B-95CE-6DB70DBA9567}" type="datetimeFigureOut">
               <a:rPr lang="en-US" dirty="0"/>
               <a:pPr/>
-              <a:t>6/8/2018</a:t>
+              <a:t>6/17/2018</a:t>
             </a:fld>
             <a:endParaRPr lang="en-US" dirty="0"/>
           </a:p>
@@ -3206,7 +3205,7 @@
             <a:fld id="{B61BEF0D-F0BB-DE4B-95CE-6DB70DBA9567}" type="datetimeFigureOut">
               <a:rPr lang="en-US" dirty="0"/>
               <a:pPr/>
-              <a:t>6/8/2018</a:t>
+              <a:t>6/17/2018</a:t>
             </a:fld>
             <a:endParaRPr lang="en-US" dirty="0"/>
           </a:p>
@@ -3434,7 +3433,7 @@
           <a:p>
             <a:fld id="{EB712588-04B1-427B-82EE-E8DB90309F08}" type="datetimeFigureOut">
               <a:rPr lang="en-US" dirty="0"/>
-              <a:t>6/8/2018</a:t>
+              <a:t>6/17/2018</a:t>
             </a:fld>
             <a:endParaRPr lang="en-US" dirty="0"/>
           </a:p>
@@ -3804,7 +3803,7 @@
             <a:fld id="{B61BEF0D-F0BB-DE4B-95CE-6DB70DBA9567}" type="datetimeFigureOut">
               <a:rPr lang="en-US" dirty="0"/>
               <a:pPr/>
-              <a:t>6/8/2018</a:t>
+              <a:t>6/17/2018</a:t>
             </a:fld>
             <a:endParaRPr lang="en-US" dirty="0"/>
           </a:p>
@@ -3924,7 +3923,7 @@
             <a:fld id="{B61BEF0D-F0BB-DE4B-95CE-6DB70DBA9567}" type="datetimeFigureOut">
               <a:rPr lang="en-US" dirty="0"/>
               <a:pPr/>
-              <a:t>6/8/2018</a:t>
+              <a:t>6/17/2018</a:t>
             </a:fld>
             <a:endParaRPr lang="en-US" dirty="0"/>
           </a:p>
@@ -4016,7 +4015,7 @@
             <a:fld id="{B61BEF0D-F0BB-DE4B-95CE-6DB70DBA9567}" type="datetimeFigureOut">
               <a:rPr lang="en-US" dirty="0"/>
               <a:pPr/>
-              <a:t>6/8/2018</a:t>
+              <a:t>6/17/2018</a:t>
             </a:fld>
             <a:endParaRPr lang="en-US" dirty="0"/>
           </a:p>
@@ -4267,7 +4266,7 @@
           <a:p>
             <a:fld id="{42A54C80-263E-416B-A8E0-580EDEADCBDC}" type="datetimeFigureOut">
               <a:rPr lang="en-US" dirty="0"/>
-              <a:t>6/8/2018</a:t>
+              <a:t>6/17/2018</a:t>
             </a:fld>
             <a:endParaRPr lang="en-US" dirty="0"/>
           </a:p>
@@ -4526,7 +4525,7 @@
             <a:fld id="{B61BEF0D-F0BB-DE4B-95CE-6DB70DBA9567}" type="datetimeFigureOut">
               <a:rPr lang="en-US" dirty="0"/>
               <a:pPr/>
-              <a:t>6/8/2018</a:t>
+              <a:t>6/17/2018</a:t>
             </a:fld>
             <a:endParaRPr lang="en-US" dirty="0"/>
           </a:p>
@@ -5266,7 +5265,7 @@
             <a:fld id="{B61BEF0D-F0BB-DE4B-95CE-6DB70DBA9567}" type="datetimeFigureOut">
               <a:rPr lang="en-US" dirty="0"/>
               <a:pPr/>
-              <a:t>6/8/2018</a:t>
+              <a:t>6/17/2018</a:t>
             </a:fld>
             <a:endParaRPr lang="en-US" dirty="0"/>
           </a:p>
@@ -5920,7 +5919,6 @@
               <a:rPr lang="es-PE" sz="2000" dirty="0" smtClean="0"/>
               <a:t>Leer en diagonal</a:t>
             </a:r>
-            <a:endParaRPr lang="es-PE" sz="2000" dirty="0" smtClean="0"/>
           </a:p>
           <a:p>
             <a:r>
@@ -6374,74 +6372,6 @@
 </p:sld>
 </file>
 
-<file path=ppt/slides/slide15.xml><?xml version="1.0" encoding="utf-8"?>
-<p:sld xmlns:a="http://schemas.openxmlformats.org/drawingml/2006/main" xmlns:r="http://schemas.openxmlformats.org/officeDocument/2006/relationships" xmlns:p="http://schemas.openxmlformats.org/presentationml/2006/main">
-  <p:cSld>
-    <p:spTree>
-      <p:nvGrpSpPr>
-        <p:cNvPr id="1" name=""/>
-        <p:cNvGrpSpPr/>
-        <p:nvPr/>
-      </p:nvGrpSpPr>
-      <p:grpSpPr>
-        <a:xfrm>
-          <a:off x="0" y="0"/>
-          <a:ext cx="0" cy="0"/>
-          <a:chOff x="0" y="0"/>
-          <a:chExt cx="0" cy="0"/>
-        </a:xfrm>
-      </p:grpSpPr>
-      <p:sp>
-        <p:nvSpPr>
-          <p:cNvPr id="8" name="Título 7"/>
-          <p:cNvSpPr>
-            <a:spLocks noGrp="1"/>
-          </p:cNvSpPr>
-          <p:nvPr>
-            <p:ph type="ctrTitle"/>
-          </p:nvPr>
-        </p:nvSpPr>
-        <p:spPr/>
-        <p:txBody>
-          <a:bodyPr/>
-          <a:lstStyle/>
-          <a:p>
-            <a:endParaRPr lang="es-PE" dirty="0"/>
-          </a:p>
-        </p:txBody>
-      </p:sp>
-      <p:sp>
-        <p:nvSpPr>
-          <p:cNvPr id="9" name="Subtítulo 8"/>
-          <p:cNvSpPr>
-            <a:spLocks noGrp="1"/>
-          </p:cNvSpPr>
-          <p:nvPr>
-            <p:ph type="subTitle" idx="1"/>
-          </p:nvPr>
-        </p:nvSpPr>
-        <p:spPr/>
-        <p:txBody>
-          <a:bodyPr/>
-          <a:lstStyle/>
-          <a:p>
-            <a:endParaRPr lang="es-PE"/>
-          </a:p>
-        </p:txBody>
-      </p:sp>
-    </p:spTree>
-    <p:extLst>
-      <p:ext uri="{BB962C8B-B14F-4D97-AF65-F5344CB8AC3E}">
-        <p14:creationId xmlns:p14="http://schemas.microsoft.com/office/powerpoint/2010/main" val="1940527971"/>
-      </p:ext>
-    </p:extLst>
-  </p:cSld>
-  <p:clrMapOvr>
-    <a:masterClrMapping/>
-  </p:clrMapOvr>
-</p:sld>
-</file>
-
 <file path=ppt/slides/slide2.xml><?xml version="1.0" encoding="utf-8"?>
 <p:sld xmlns:a="http://schemas.openxmlformats.org/drawingml/2006/main" xmlns:r="http://schemas.openxmlformats.org/officeDocument/2006/relationships" xmlns:p="http://schemas.openxmlformats.org/presentationml/2006/main">
   <p:cSld>
@@ -6601,13 +6531,8 @@
           <a:p>
             <a:r>
               <a:rPr lang="es-PE" sz="2000" dirty="0" smtClean="0"/>
-              <a:t>No Repetir Temas de Investigación a través de la Revisión </a:t>
-            </a:r>
-            <a:r>
-              <a:rPr lang="es-PE" sz="2000" dirty="0" smtClean="0"/>
-              <a:t>Bibliográfica</a:t>
-            </a:r>
-            <a:endParaRPr lang="es-PE" sz="2000" dirty="0" smtClean="0"/>
+              <a:t>No Repetir Temas de Investigación a través de la Revisión Bibliográfica</a:t>
+            </a:r>
           </a:p>
         </p:txBody>
       </p:sp>
@@ -6771,23 +6696,7 @@
           <a:p>
             <a:r>
               <a:rPr lang="es-PE" sz="2000" dirty="0" smtClean="0"/>
-              <a:t>1.- Definir una metodología: Esto es uno de los principales problemas  en el momento de iniciar una investigación la investigación es no saber como abordar el tema , es decir como empezar, como </a:t>
-            </a:r>
-            <a:r>
-              <a:rPr lang="es-PE" sz="2000" dirty="0" smtClean="0"/>
-              <a:t>organizarla. </a:t>
-            </a:r>
-            <a:r>
-              <a:rPr lang="es-PE" sz="2000" dirty="0" smtClean="0"/>
-              <a:t>Para esto </a:t>
-            </a:r>
-            <a:r>
-              <a:rPr lang="es-PE" sz="2000" dirty="0" smtClean="0"/>
-              <a:t>sirve </a:t>
-            </a:r>
-            <a:r>
-              <a:rPr lang="es-PE" sz="2000" dirty="0" smtClean="0"/>
-              <a:t>el estado del arte pues al revisar otras investigaciones se puede establecer de que forma otras investigaciones han establecido el tema.</a:t>
+              <a:t>1.- Definir una metodología: Esto es uno de los principales problemas  en el momento de iniciar una investigación la investigación es no saber como abordar el tema , es decir como empezar, como organizarla. Para esto sirve el estado del arte pues al revisar otras investigaciones se puede establecer de que forma otras investigaciones han establecido el tema.</a:t>
             </a:r>
           </a:p>
           <a:p>
@@ -6882,15 +6791,7 @@
           <a:p>
             <a:r>
               <a:rPr lang="es-PE" sz="2000" dirty="0" smtClean="0"/>
-              <a:t>- Tesis de grados académicos de Pre grado o Posgrado en la Bibliotecas </a:t>
-            </a:r>
-            <a:r>
-              <a:rPr lang="es-PE" sz="2000" dirty="0" smtClean="0"/>
-              <a:t>de </a:t>
-            </a:r>
-            <a:r>
-              <a:rPr lang="es-PE" sz="2000" dirty="0" smtClean="0"/>
-              <a:t>universidades</a:t>
+              <a:t>- Tesis de grados académicos de Pre grado o Posgrado en la Bibliotecas de universidades</a:t>
             </a:r>
           </a:p>
           <a:p>
@@ -6904,11 +6805,7 @@
             </a:r>
             <a:r>
               <a:rPr lang="es-PE" sz="2000" dirty="0" smtClean="0"/>
-              <a:t>, </a:t>
-            </a:r>
-            <a:r>
-              <a:rPr lang="es-PE" sz="2000" dirty="0" smtClean="0"/>
-              <a:t>o bibliotecas virtuales</a:t>
+              <a:t>, o bibliotecas virtuales</a:t>
             </a:r>
           </a:p>
           <a:p>
@@ -7004,13 +6901,8 @@
           <a:p>
             <a:r>
               <a:rPr lang="es-PE" sz="2000" dirty="0" smtClean="0"/>
-              <a:t>Es el ordenamiento del estado del arte, esta tarea requiere criterios de organización de información seleccionando  por lo que es importante y necesario seleccionarlo</a:t>
-            </a:r>
-            <a:r>
-              <a:rPr lang="es-PE" sz="2000" dirty="0" smtClean="0"/>
-              <a:t>.</a:t>
-            </a:r>
-            <a:endParaRPr lang="es-PE" sz="2000" dirty="0" smtClean="0"/>
+              <a:t>Es el ordenamiento del estado del arte, esta tarea requiere criterios de organización de información seleccionando  por lo que es importante y necesario seleccionarlo.</a:t>
+            </a:r>
           </a:p>
         </p:txBody>
       </p:sp>
@@ -7128,11 +7020,7 @@
             </a:r>
             <a:r>
               <a:rPr lang="es-PE" dirty="0" smtClean="0"/>
-              <a:t>estudio: sencillo (con resultados en Costo y tiempo), con resultado de procesos pero simples, especializado con resultados aplicables en ámbitos pequeños o en ámbitos </a:t>
-            </a:r>
-            <a:r>
-              <a:rPr lang="es-PE" dirty="0" smtClean="0"/>
-              <a:t>amplios.    </a:t>
+              <a:t>estudio: sencillo (con resultados en Costo y tiempo), con resultado de procesos pero simples, especializado con resultados aplicables en ámbitos pequeños o en ámbitos amplios.    </a:t>
             </a:r>
             <a:endParaRPr lang="es-PE" dirty="0"/>
           </a:p>
